--- a/slides/topics/02_r_language.pptx
+++ b/slides/topics/02_r_language.pptx
@@ -1,6 +1,6 @@
 
 <file path=ppt/presentation.xml><?xml version="1.0" encoding="utf-8"?>
-<p:presentation xmlns:a="http://schemas.openxmlformats.org/drawingml/2006/main" xmlns:p="http://schemas.openxmlformats.org/presentationml/2006/main" xmlns:r="http://schemas.openxmlformats.org/officeDocument/2006/relationships" saveSubsetFonts="1">
+<p:presentation xmlns:a="http://schemas.openxmlformats.org/drawingml/2006/main" xmlns:r="http://schemas.openxmlformats.org/officeDocument/2006/relationships" xmlns:p="http://schemas.openxmlformats.org/presentationml/2006/main" saveSubsetFonts="1">
   <p:sldMasterIdLst>
     <p:sldMasterId id="2147483660" r:id="rId1"/>
   </p:sldMasterIdLst>
@@ -10,12 +10,13 @@
     <p:sldId id="258" r:id="rId4"/>
     <p:sldId id="259" r:id="rId5"/>
     <p:sldId id="260" r:id="rId6"/>
-    <p:sldId id="261" r:id="rId7"/>
-    <p:sldId id="262" r:id="rId8"/>
-    <p:sldId id="263" r:id="rId9"/>
-    <p:sldId id="264" r:id="rId10"/>
-    <p:sldId id="265" r:id="rId11"/>
-    <p:sldId id="266" r:id="rId12"/>
+    <p:sldId id="267" r:id="rId7"/>
+    <p:sldId id="261" r:id="rId8"/>
+    <p:sldId id="262" r:id="rId9"/>
+    <p:sldId id="263" r:id="rId10"/>
+    <p:sldId id="264" r:id="rId11"/>
+    <p:sldId id="265" r:id="rId12"/>
+    <p:sldId id="266" r:id="rId13"/>
   </p:sldIdLst>
   <p:sldSz cx="12192000" cy="6858000"/>
   <p:notesSz cx="6858000" cy="9144000"/>
@@ -23,8 +24,8 @@
     <a:defPPr>
       <a:defRPr lang="en-US"/>
     </a:defPPr>
-    <a:lvl1pPr algn="l" defTabSz="914400" eaLnBrk="1" hangingPunct="1" latinLnBrk="0" marL="0" rtl="0">
-      <a:defRPr kern="1200" sz="1800">
+    <a:lvl1pPr marL="0" algn="l" defTabSz="914400" rtl="0" eaLnBrk="1" latinLnBrk="0" hangingPunct="1">
+      <a:defRPr sz="1800" kern="1200">
         <a:solidFill>
           <a:schemeClr val="tx1"/>
         </a:solidFill>
@@ -33,8 +34,8 @@
         <a:cs typeface="+mn-cs"/>
       </a:defRPr>
     </a:lvl1pPr>
-    <a:lvl2pPr algn="l" defTabSz="914400" eaLnBrk="1" hangingPunct="1" latinLnBrk="0" marL="457200" rtl="0">
-      <a:defRPr kern="1200" sz="1800">
+    <a:lvl2pPr marL="457200" algn="l" defTabSz="914400" rtl="0" eaLnBrk="1" latinLnBrk="0" hangingPunct="1">
+      <a:defRPr sz="1800" kern="1200">
         <a:solidFill>
           <a:schemeClr val="tx1"/>
         </a:solidFill>
@@ -43,8 +44,8 @@
         <a:cs typeface="+mn-cs"/>
       </a:defRPr>
     </a:lvl2pPr>
-    <a:lvl3pPr algn="l" defTabSz="914400" eaLnBrk="1" hangingPunct="1" latinLnBrk="0" marL="914400" rtl="0">
-      <a:defRPr kern="1200" sz="1800">
+    <a:lvl3pPr marL="914400" algn="l" defTabSz="914400" rtl="0" eaLnBrk="1" latinLnBrk="0" hangingPunct="1">
+      <a:defRPr sz="1800" kern="1200">
         <a:solidFill>
           <a:schemeClr val="tx1"/>
         </a:solidFill>
@@ -53,8 +54,8 @@
         <a:cs typeface="+mn-cs"/>
       </a:defRPr>
     </a:lvl3pPr>
-    <a:lvl4pPr algn="l" defTabSz="914400" eaLnBrk="1" hangingPunct="1" latinLnBrk="0" marL="1371600" rtl="0">
-      <a:defRPr kern="1200" sz="1800">
+    <a:lvl4pPr marL="1371600" algn="l" defTabSz="914400" rtl="0" eaLnBrk="1" latinLnBrk="0" hangingPunct="1">
+      <a:defRPr sz="1800" kern="1200">
         <a:solidFill>
           <a:schemeClr val="tx1"/>
         </a:solidFill>
@@ -63,8 +64,8 @@
         <a:cs typeface="+mn-cs"/>
       </a:defRPr>
     </a:lvl4pPr>
-    <a:lvl5pPr algn="l" defTabSz="914400" eaLnBrk="1" hangingPunct="1" latinLnBrk="0" marL="1828800" rtl="0">
-      <a:defRPr kern="1200" sz="1800">
+    <a:lvl5pPr marL="1828800" algn="l" defTabSz="914400" rtl="0" eaLnBrk="1" latinLnBrk="0" hangingPunct="1">
+      <a:defRPr sz="1800" kern="1200">
         <a:solidFill>
           <a:schemeClr val="tx1"/>
         </a:solidFill>
@@ -73,8 +74,8 @@
         <a:cs typeface="+mn-cs"/>
       </a:defRPr>
     </a:lvl5pPr>
-    <a:lvl6pPr algn="l" defTabSz="914400" eaLnBrk="1" hangingPunct="1" latinLnBrk="0" marL="2286000" rtl="0">
-      <a:defRPr kern="1200" sz="1800">
+    <a:lvl6pPr marL="2286000" algn="l" defTabSz="914400" rtl="0" eaLnBrk="1" latinLnBrk="0" hangingPunct="1">
+      <a:defRPr sz="1800" kern="1200">
         <a:solidFill>
           <a:schemeClr val="tx1"/>
         </a:solidFill>
@@ -83,8 +84,8 @@
         <a:cs typeface="+mn-cs"/>
       </a:defRPr>
     </a:lvl6pPr>
-    <a:lvl7pPr algn="l" defTabSz="914400" eaLnBrk="1" hangingPunct="1" latinLnBrk="0" marL="2743200" rtl="0">
-      <a:defRPr kern="1200" sz="1800">
+    <a:lvl7pPr marL="2743200" algn="l" defTabSz="914400" rtl="0" eaLnBrk="1" latinLnBrk="0" hangingPunct="1">
+      <a:defRPr sz="1800" kern="1200">
         <a:solidFill>
           <a:schemeClr val="tx1"/>
         </a:solidFill>
@@ -93,8 +94,8 @@
         <a:cs typeface="+mn-cs"/>
       </a:defRPr>
     </a:lvl7pPr>
-    <a:lvl8pPr algn="l" defTabSz="914400" eaLnBrk="1" hangingPunct="1" latinLnBrk="0" marL="3200400" rtl="0">
-      <a:defRPr kern="1200" sz="1800">
+    <a:lvl8pPr marL="3200400" algn="l" defTabSz="914400" rtl="0" eaLnBrk="1" latinLnBrk="0" hangingPunct="1">
+      <a:defRPr sz="1800" kern="1200">
         <a:solidFill>
           <a:schemeClr val="tx1"/>
         </a:solidFill>
@@ -103,8 +104,8 @@
         <a:cs typeface="+mn-cs"/>
       </a:defRPr>
     </a:lvl8pPr>
-    <a:lvl9pPr algn="l" defTabSz="914400" eaLnBrk="1" hangingPunct="1" latinLnBrk="0" marL="3657600" rtl="0">
-      <a:defRPr kern="1200" sz="1800">
+    <a:lvl9pPr marL="3657600" algn="l" defTabSz="914400" rtl="0" eaLnBrk="1" latinLnBrk="0" hangingPunct="1">
+      <a:defRPr sz="1800" kern="1200">
         <a:solidFill>
           <a:schemeClr val="tx1"/>
         </a:solidFill>
@@ -114,6 +115,11 @@
       </a:defRPr>
     </a:lvl9pPr>
   </p:defaultTextStyle>
+  <p:extLst>
+    <p:ext uri="{EFAFB233-063F-42B5-8137-9DF3F51BA10A}">
+      <p15:sldGuideLst xmlns:p15="http://schemas.microsoft.com/office/powerpoint/2012/main"/>
+    </p:ext>
+  </p:extLst>
 </p:presentation>
 </file>
 
@@ -266,7 +272,7 @@
           <a:p>
             <a:fld id="{C570B161-8950-4543-98EC-9F2A6A717D4A}" type="datetimeFigureOut">
               <a:rPr lang="en-GB" smtClean="0"/>
-              <a:t>07/07/2025</a:t>
+              <a:t>08/07/2025</a:t>
             </a:fld>
             <a:endParaRPr lang="en-GB"/>
           </a:p>
@@ -466,7 +472,7 @@
           <a:p>
             <a:fld id="{C570B161-8950-4543-98EC-9F2A6A717D4A}" type="datetimeFigureOut">
               <a:rPr lang="en-GB" smtClean="0"/>
-              <a:t>07/07/2025</a:t>
+              <a:t>08/07/2025</a:t>
             </a:fld>
             <a:endParaRPr lang="en-GB"/>
           </a:p>
@@ -676,7 +682,7 @@
           <a:p>
             <a:fld id="{C570B161-8950-4543-98EC-9F2A6A717D4A}" type="datetimeFigureOut">
               <a:rPr lang="en-GB" smtClean="0"/>
-              <a:t>07/07/2025</a:t>
+              <a:t>08/07/2025</a:t>
             </a:fld>
             <a:endParaRPr lang="en-GB"/>
           </a:p>
@@ -876,7 +882,7 @@
           <a:p>
             <a:fld id="{C570B161-8950-4543-98EC-9F2A6A717D4A}" type="datetimeFigureOut">
               <a:rPr lang="en-GB" smtClean="0"/>
-              <a:t>07/07/2025</a:t>
+              <a:t>08/07/2025</a:t>
             </a:fld>
             <a:endParaRPr lang="en-GB"/>
           </a:p>
@@ -1152,7 +1158,7 @@
           <a:p>
             <a:fld id="{C570B161-8950-4543-98EC-9F2A6A717D4A}" type="datetimeFigureOut">
               <a:rPr lang="en-GB" smtClean="0"/>
-              <a:t>07/07/2025</a:t>
+              <a:t>08/07/2025</a:t>
             </a:fld>
             <a:endParaRPr lang="en-GB"/>
           </a:p>
@@ -1420,7 +1426,7 @@
           <a:p>
             <a:fld id="{C570B161-8950-4543-98EC-9F2A6A717D4A}" type="datetimeFigureOut">
               <a:rPr lang="en-GB" smtClean="0"/>
-              <a:t>07/07/2025</a:t>
+              <a:t>08/07/2025</a:t>
             </a:fld>
             <a:endParaRPr lang="en-GB"/>
           </a:p>
@@ -1835,7 +1841,7 @@
           <a:p>
             <a:fld id="{C570B161-8950-4543-98EC-9F2A6A717D4A}" type="datetimeFigureOut">
               <a:rPr lang="en-GB" smtClean="0"/>
-              <a:t>07/07/2025</a:t>
+              <a:t>08/07/2025</a:t>
             </a:fld>
             <a:endParaRPr lang="en-GB"/>
           </a:p>
@@ -1977,7 +1983,7 @@
           <a:p>
             <a:fld id="{C570B161-8950-4543-98EC-9F2A6A717D4A}" type="datetimeFigureOut">
               <a:rPr lang="en-GB" smtClean="0"/>
-              <a:t>07/07/2025</a:t>
+              <a:t>08/07/2025</a:t>
             </a:fld>
             <a:endParaRPr lang="en-GB"/>
           </a:p>
@@ -2090,7 +2096,7 @@
           <a:p>
             <a:fld id="{C570B161-8950-4543-98EC-9F2A6A717D4A}" type="datetimeFigureOut">
               <a:rPr lang="en-GB" smtClean="0"/>
-              <a:t>07/07/2025</a:t>
+              <a:t>08/07/2025</a:t>
             </a:fld>
             <a:endParaRPr lang="en-GB"/>
           </a:p>
@@ -2403,7 +2409,7 @@
           <a:p>
             <a:fld id="{C570B161-8950-4543-98EC-9F2A6A717D4A}" type="datetimeFigureOut">
               <a:rPr lang="en-GB" smtClean="0"/>
-              <a:t>07/07/2025</a:t>
+              <a:t>08/07/2025</a:t>
             </a:fld>
             <a:endParaRPr lang="en-GB"/>
           </a:p>
@@ -2696,7 +2702,7 @@
           <a:p>
             <a:fld id="{C570B161-8950-4543-98EC-9F2A6A717D4A}" type="datetimeFigureOut">
               <a:rPr lang="en-GB" smtClean="0"/>
-              <a:t>07/07/2025</a:t>
+              <a:t>08/07/2025</a:t>
             </a:fld>
             <a:endParaRPr lang="en-GB"/>
           </a:p>
@@ -2770,7 +2776,7 @@
 </file>
 
 <file path=ppt/slideMasters/slideMaster1.xml><?xml version="1.0" encoding="utf-8"?>
-<p:sldMaster xmlns:a="http://schemas.openxmlformats.org/drawingml/2006/main" xmlns:p="http://schemas.openxmlformats.org/presentationml/2006/main" xmlns:r="http://schemas.openxmlformats.org/officeDocument/2006/relationships">
+<p:sldMaster xmlns:a="http://schemas.openxmlformats.org/drawingml/2006/main" xmlns:r="http://schemas.openxmlformats.org/officeDocument/2006/relationships" xmlns:p="http://schemas.openxmlformats.org/presentationml/2006/main">
   <p:cSld>
     <p:bg>
       <p:bgPr>
@@ -2820,7 +2826,7 @@
           </a:prstGeom>
         </p:spPr>
         <p:txBody>
-          <a:bodyPr anchor="ctr" bIns="45720" lIns="91440" rIns="91440" rtlCol="0" tIns="45720" vert="horz">
+          <a:bodyPr vert="horz" lIns="91440" tIns="45720" rIns="91440" bIns="45720" rtlCol="0" anchor="ctr">
             <a:normAutofit/>
           </a:bodyPr>
           <a:lstStyle/>
@@ -2829,7 +2835,7 @@
               <a:rPr lang="en-US"/>
               <a:t>Click to edit Master title style</a:t>
             </a:r>
-            <a:endParaRPr dirty="0" lang="en-GB"/>
+            <a:endParaRPr lang="en-GB" dirty="0"/>
           </a:p>
         </p:txBody>
       </p:sp>
@@ -2846,7 +2852,7 @@
             <a:spLocks noGrp="1"/>
           </p:cNvSpPr>
           <p:nvPr>
-            <p:ph idx="1" type="body"/>
+            <p:ph type="body" idx="1"/>
           </p:nvPr>
         </p:nvSpPr>
         <p:spPr>
@@ -2859,7 +2865,7 @@
           </a:prstGeom>
         </p:spPr>
         <p:txBody>
-          <a:bodyPr bIns="45720" lIns="91440" rIns="91440" rtlCol="0" tIns="45720" vert="horz">
+          <a:bodyPr vert="horz" lIns="91440" tIns="45720" rIns="91440" bIns="45720" rtlCol="0">
             <a:normAutofit/>
           </a:bodyPr>
           <a:lstStyle/>
@@ -2914,7 +2920,7 @@
             <a:spLocks noGrp="1"/>
           </p:cNvSpPr>
           <p:nvPr>
-            <p:ph idx="2" sz="half" type="dt"/>
+            <p:ph type="dt" sz="half" idx="2"/>
           </p:nvPr>
         </p:nvSpPr>
         <p:spPr>
@@ -2927,7 +2933,7 @@
           </a:prstGeom>
         </p:spPr>
         <p:txBody>
-          <a:bodyPr anchor="ctr" bIns="45720" lIns="91440" rIns="91440" rtlCol="0" tIns="45720" vert="horz"/>
+          <a:bodyPr vert="horz" lIns="91440" tIns="45720" rIns="91440" bIns="45720" rtlCol="0" anchor="ctr"/>
           <a:lstStyle>
             <a:lvl1pPr algn="l">
               <a:defRPr sz="1200">
@@ -2942,7 +2948,7 @@
           <a:p>
             <a:fld id="{C570B161-8950-4543-98EC-9F2A6A717D4A}" type="datetimeFigureOut">
               <a:rPr lang="en-GB" smtClean="0"/>
-              <a:t>07/07/2025</a:t>
+              <a:t>08/07/2025</a:t>
             </a:fld>
             <a:endParaRPr lang="en-GB"/>
           </a:p>
@@ -2961,7 +2967,7 @@
             <a:spLocks noGrp="1"/>
           </p:cNvSpPr>
           <p:nvPr>
-            <p:ph idx="3" sz="quarter" type="ftr"/>
+            <p:ph type="ftr" sz="quarter" idx="3"/>
           </p:nvPr>
         </p:nvSpPr>
         <p:spPr>
@@ -2974,7 +2980,7 @@
           </a:prstGeom>
         </p:spPr>
         <p:txBody>
-          <a:bodyPr anchor="ctr" bIns="45720" lIns="91440" rIns="91440" rtlCol="0" tIns="45720" vert="horz"/>
+          <a:bodyPr vert="horz" lIns="91440" tIns="45720" rIns="91440" bIns="45720" rtlCol="0" anchor="ctr"/>
           <a:lstStyle>
             <a:lvl1pPr algn="ctr">
               <a:defRPr sz="1200">
@@ -3004,7 +3010,7 @@
             <a:spLocks noGrp="1"/>
           </p:cNvSpPr>
           <p:nvPr>
-            <p:ph idx="4" sz="quarter" type="sldNum"/>
+            <p:ph type="sldNum" sz="quarter" idx="4"/>
           </p:nvPr>
         </p:nvSpPr>
         <p:spPr>
@@ -3017,7 +3023,7 @@
           </a:prstGeom>
         </p:spPr>
         <p:txBody>
-          <a:bodyPr anchor="ctr" bIns="45720" lIns="91440" rIns="91440" rtlCol="0" tIns="45720" vert="horz"/>
+          <a:bodyPr vert="horz" lIns="91440" tIns="45720" rIns="91440" bIns="45720" rtlCol="0" anchor="ctr"/>
           <a:lstStyle>
             <a:lvl1pPr algn="r">
               <a:defRPr sz="1200">
@@ -3045,7 +3051,7 @@
       </p:ext>
     </p:extLst>
   </p:cSld>
-  <p:clrMap accent1="accent1" accent2="accent2" accent3="accent3" accent4="accent4" accent5="accent5" accent6="accent6" bg1="lt1" bg2="lt2" folHlink="folHlink" hlink="hlink" tx1="dk1" tx2="dk2"/>
+  <p:clrMap bg1="lt1" tx1="dk1" bg2="lt2" tx2="dk2" accent1="accent1" accent2="accent2" accent3="accent3" accent4="accent4" accent5="accent5" accent6="accent6" hlink="hlink" folHlink="folHlink"/>
   <p:sldLayoutIdLst>
     <p:sldLayoutId id="2147483661" r:id="rId1"/>
     <p:sldLayoutId id="2147483662" r:id="rId2"/>
@@ -3061,7 +3067,7 @@
   </p:sldLayoutIdLst>
   <p:txStyles>
     <p:titleStyle>
-      <a:lvl1pPr algn="l" defTabSz="914400" eaLnBrk="1" hangingPunct="1" latinLnBrk="0" rtl="0">
+      <a:lvl1pPr algn="l" defTabSz="914400" rtl="0" eaLnBrk="1" latinLnBrk="0" hangingPunct="1">
         <a:lnSpc>
           <a:spcPct val="90000"/>
         </a:lnSpc>
@@ -3069,7 +3075,7 @@
           <a:spcPct val="0"/>
         </a:spcBef>
         <a:buNone/>
-        <a:defRPr kern="1200" sz="4400">
+        <a:defRPr sz="4400" kern="1200">
           <a:solidFill>
             <a:schemeClr val="tx1"/>
           </a:solidFill>
@@ -3080,16 +3086,16 @@
       </a:lvl1pPr>
     </p:titleStyle>
     <p:bodyStyle>
-      <a:lvl1pPr algn="l" defTabSz="914400" eaLnBrk="1" hangingPunct="1" indent="-228600" latinLnBrk="0" marL="228600" rtl="0">
+      <a:lvl1pPr marL="228600" indent="-228600" algn="l" defTabSz="914400" rtl="0" eaLnBrk="1" latinLnBrk="0" hangingPunct="1">
         <a:lnSpc>
           <a:spcPct val="90000"/>
         </a:lnSpc>
         <a:spcBef>
           <a:spcPts val="1000"/>
         </a:spcBef>
-        <a:buFont charset="0" panose="020B0604020202020204" pitchFamily="34" typeface="Arial"/>
+        <a:buFont typeface="Arial" panose="020B0604020202020204" pitchFamily="34" charset="0"/>
         <a:buChar char="•"/>
-        <a:defRPr kern="1200" sz="2800">
+        <a:defRPr sz="2800" kern="1200">
           <a:solidFill>
             <a:schemeClr val="tx1"/>
           </a:solidFill>
@@ -3098,16 +3104,16 @@
           <a:cs typeface="+mn-cs"/>
         </a:defRPr>
       </a:lvl1pPr>
-      <a:lvl2pPr algn="l" defTabSz="914400" eaLnBrk="1" hangingPunct="1" indent="-228600" latinLnBrk="0" marL="685800" rtl="0">
+      <a:lvl2pPr marL="685800" indent="-228600" algn="l" defTabSz="914400" rtl="0" eaLnBrk="1" latinLnBrk="0" hangingPunct="1">
         <a:lnSpc>
           <a:spcPct val="90000"/>
         </a:lnSpc>
         <a:spcBef>
           <a:spcPts val="500"/>
         </a:spcBef>
-        <a:buFont charset="0" panose="020B0604020202020204" pitchFamily="34" typeface="Arial"/>
+        <a:buFont typeface="Arial" panose="020B0604020202020204" pitchFamily="34" charset="0"/>
         <a:buChar char="•"/>
-        <a:defRPr kern="1200" sz="2400">
+        <a:defRPr sz="2400" kern="1200">
           <a:solidFill>
             <a:schemeClr val="tx1"/>
           </a:solidFill>
@@ -3116,16 +3122,16 @@
           <a:cs typeface="+mn-cs"/>
         </a:defRPr>
       </a:lvl2pPr>
-      <a:lvl3pPr algn="l" defTabSz="914400" eaLnBrk="1" hangingPunct="1" indent="-228600" latinLnBrk="0" marL="1143000" rtl="0">
+      <a:lvl3pPr marL="1143000" indent="-228600" algn="l" defTabSz="914400" rtl="0" eaLnBrk="1" latinLnBrk="0" hangingPunct="1">
         <a:lnSpc>
           <a:spcPct val="90000"/>
         </a:lnSpc>
         <a:spcBef>
           <a:spcPts val="500"/>
         </a:spcBef>
-        <a:buFont charset="0" panose="020B0604020202020204" pitchFamily="34" typeface="Arial"/>
+        <a:buFont typeface="Arial" panose="020B0604020202020204" pitchFamily="34" charset="0"/>
         <a:buChar char="•"/>
-        <a:defRPr kern="1200" sz="2000">
+        <a:defRPr sz="2000" kern="1200">
           <a:solidFill>
             <a:schemeClr val="tx1"/>
           </a:solidFill>
@@ -3134,16 +3140,16 @@
           <a:cs typeface="+mn-cs"/>
         </a:defRPr>
       </a:lvl3pPr>
-      <a:lvl4pPr algn="l" defTabSz="914400" eaLnBrk="1" hangingPunct="1" indent="-228600" latinLnBrk="0" marL="1600200" rtl="0">
+      <a:lvl4pPr marL="1600200" indent="-228600" algn="l" defTabSz="914400" rtl="0" eaLnBrk="1" latinLnBrk="0" hangingPunct="1">
         <a:lnSpc>
           <a:spcPct val="90000"/>
         </a:lnSpc>
         <a:spcBef>
           <a:spcPts val="500"/>
         </a:spcBef>
-        <a:buFont charset="0" panose="020B0604020202020204" pitchFamily="34" typeface="Arial"/>
+        <a:buFont typeface="Arial" panose="020B0604020202020204" pitchFamily="34" charset="0"/>
         <a:buChar char="•"/>
-        <a:defRPr kern="1200" sz="1800">
+        <a:defRPr sz="1800" kern="1200">
           <a:solidFill>
             <a:schemeClr val="tx1"/>
           </a:solidFill>
@@ -3152,16 +3158,16 @@
           <a:cs typeface="+mn-cs"/>
         </a:defRPr>
       </a:lvl4pPr>
-      <a:lvl5pPr algn="l" defTabSz="914400" eaLnBrk="1" hangingPunct="1" indent="-228600" latinLnBrk="0" marL="2057400" rtl="0">
+      <a:lvl5pPr marL="2057400" indent="-228600" algn="l" defTabSz="914400" rtl="0" eaLnBrk="1" latinLnBrk="0" hangingPunct="1">
         <a:lnSpc>
           <a:spcPct val="90000"/>
         </a:lnSpc>
         <a:spcBef>
           <a:spcPts val="500"/>
         </a:spcBef>
-        <a:buFont charset="0" panose="020B0604020202020204" pitchFamily="34" typeface="Arial"/>
+        <a:buFont typeface="Arial" panose="020B0604020202020204" pitchFamily="34" charset="0"/>
         <a:buChar char="•"/>
-        <a:defRPr kern="1200" sz="1800">
+        <a:defRPr sz="1800" kern="1200">
           <a:solidFill>
             <a:schemeClr val="tx1"/>
           </a:solidFill>
@@ -3170,16 +3176,16 @@
           <a:cs typeface="+mn-cs"/>
         </a:defRPr>
       </a:lvl5pPr>
-      <a:lvl6pPr algn="l" defTabSz="914400" eaLnBrk="1" hangingPunct="1" indent="-228600" latinLnBrk="0" marL="2514600" rtl="0">
+      <a:lvl6pPr marL="2514600" indent="-228600" algn="l" defTabSz="914400" rtl="0" eaLnBrk="1" latinLnBrk="0" hangingPunct="1">
         <a:lnSpc>
           <a:spcPct val="90000"/>
         </a:lnSpc>
         <a:spcBef>
           <a:spcPts val="500"/>
         </a:spcBef>
-        <a:buFont charset="0" panose="020B0604020202020204" pitchFamily="34" typeface="Arial"/>
+        <a:buFont typeface="Arial" panose="020B0604020202020204" pitchFamily="34" charset="0"/>
         <a:buChar char="•"/>
-        <a:defRPr kern="1200" sz="1800">
+        <a:defRPr sz="1800" kern="1200">
           <a:solidFill>
             <a:schemeClr val="tx1"/>
           </a:solidFill>
@@ -3188,16 +3194,16 @@
           <a:cs typeface="+mn-cs"/>
         </a:defRPr>
       </a:lvl6pPr>
-      <a:lvl7pPr algn="l" defTabSz="914400" eaLnBrk="1" hangingPunct="1" indent="-228600" latinLnBrk="0" marL="2971800" rtl="0">
+      <a:lvl7pPr marL="2971800" indent="-228600" algn="l" defTabSz="914400" rtl="0" eaLnBrk="1" latinLnBrk="0" hangingPunct="1">
         <a:lnSpc>
           <a:spcPct val="90000"/>
         </a:lnSpc>
         <a:spcBef>
           <a:spcPts val="500"/>
         </a:spcBef>
-        <a:buFont charset="0" panose="020B0604020202020204" pitchFamily="34" typeface="Arial"/>
+        <a:buFont typeface="Arial" panose="020B0604020202020204" pitchFamily="34" charset="0"/>
         <a:buChar char="•"/>
-        <a:defRPr kern="1200" sz="1800">
+        <a:defRPr sz="1800" kern="1200">
           <a:solidFill>
             <a:schemeClr val="tx1"/>
           </a:solidFill>
@@ -3206,16 +3212,16 @@
           <a:cs typeface="+mn-cs"/>
         </a:defRPr>
       </a:lvl7pPr>
-      <a:lvl8pPr algn="l" defTabSz="914400" eaLnBrk="1" hangingPunct="1" indent="-228600" latinLnBrk="0" marL="3429000" rtl="0">
+      <a:lvl8pPr marL="3429000" indent="-228600" algn="l" defTabSz="914400" rtl="0" eaLnBrk="1" latinLnBrk="0" hangingPunct="1">
         <a:lnSpc>
           <a:spcPct val="90000"/>
         </a:lnSpc>
         <a:spcBef>
           <a:spcPts val="500"/>
         </a:spcBef>
-        <a:buFont charset="0" panose="020B0604020202020204" pitchFamily="34" typeface="Arial"/>
+        <a:buFont typeface="Arial" panose="020B0604020202020204" pitchFamily="34" charset="0"/>
         <a:buChar char="•"/>
-        <a:defRPr kern="1200" sz="1800">
+        <a:defRPr sz="1800" kern="1200">
           <a:solidFill>
             <a:schemeClr val="tx1"/>
           </a:solidFill>
@@ -3224,16 +3230,16 @@
           <a:cs typeface="+mn-cs"/>
         </a:defRPr>
       </a:lvl8pPr>
-      <a:lvl9pPr algn="l" defTabSz="914400" eaLnBrk="1" hangingPunct="1" indent="-228600" latinLnBrk="0" marL="3886200" rtl="0">
+      <a:lvl9pPr marL="3886200" indent="-228600" algn="l" defTabSz="914400" rtl="0" eaLnBrk="1" latinLnBrk="0" hangingPunct="1">
         <a:lnSpc>
           <a:spcPct val="90000"/>
         </a:lnSpc>
         <a:spcBef>
           <a:spcPts val="500"/>
         </a:spcBef>
-        <a:buFont charset="0" panose="020B0604020202020204" pitchFamily="34" typeface="Arial"/>
+        <a:buFont typeface="Arial" panose="020B0604020202020204" pitchFamily="34" charset="0"/>
         <a:buChar char="•"/>
-        <a:defRPr kern="1200" sz="1800">
+        <a:defRPr sz="1800" kern="1200">
           <a:solidFill>
             <a:schemeClr val="tx1"/>
           </a:solidFill>
@@ -3247,8 +3253,8 @@
       <a:defPPr>
         <a:defRPr lang="en-US"/>
       </a:defPPr>
-      <a:lvl1pPr algn="l" defTabSz="914400" eaLnBrk="1" hangingPunct="1" latinLnBrk="0" marL="0" rtl="0">
-        <a:defRPr kern="1200" sz="1800">
+      <a:lvl1pPr marL="0" algn="l" defTabSz="914400" rtl="0" eaLnBrk="1" latinLnBrk="0" hangingPunct="1">
+        <a:defRPr sz="1800" kern="1200">
           <a:solidFill>
             <a:schemeClr val="tx1"/>
           </a:solidFill>
@@ -3257,8 +3263,8 @@
           <a:cs typeface="+mn-cs"/>
         </a:defRPr>
       </a:lvl1pPr>
-      <a:lvl2pPr algn="l" defTabSz="914400" eaLnBrk="1" hangingPunct="1" latinLnBrk="0" marL="457200" rtl="0">
-        <a:defRPr kern="1200" sz="1800">
+      <a:lvl2pPr marL="457200" algn="l" defTabSz="914400" rtl="0" eaLnBrk="1" latinLnBrk="0" hangingPunct="1">
+        <a:defRPr sz="1800" kern="1200">
           <a:solidFill>
             <a:schemeClr val="tx1"/>
           </a:solidFill>
@@ -3267,8 +3273,8 @@
           <a:cs typeface="+mn-cs"/>
         </a:defRPr>
       </a:lvl2pPr>
-      <a:lvl3pPr algn="l" defTabSz="914400" eaLnBrk="1" hangingPunct="1" latinLnBrk="0" marL="914400" rtl="0">
-        <a:defRPr kern="1200" sz="1800">
+      <a:lvl3pPr marL="914400" algn="l" defTabSz="914400" rtl="0" eaLnBrk="1" latinLnBrk="0" hangingPunct="1">
+        <a:defRPr sz="1800" kern="1200">
           <a:solidFill>
             <a:schemeClr val="tx1"/>
           </a:solidFill>
@@ -3277,8 +3283,8 @@
           <a:cs typeface="+mn-cs"/>
         </a:defRPr>
       </a:lvl3pPr>
-      <a:lvl4pPr algn="l" defTabSz="914400" eaLnBrk="1" hangingPunct="1" latinLnBrk="0" marL="1371600" rtl="0">
-        <a:defRPr kern="1200" sz="1800">
+      <a:lvl4pPr marL="1371600" algn="l" defTabSz="914400" rtl="0" eaLnBrk="1" latinLnBrk="0" hangingPunct="1">
+        <a:defRPr sz="1800" kern="1200">
           <a:solidFill>
             <a:schemeClr val="tx1"/>
           </a:solidFill>
@@ -3287,8 +3293,8 @@
           <a:cs typeface="+mn-cs"/>
         </a:defRPr>
       </a:lvl4pPr>
-      <a:lvl5pPr algn="l" defTabSz="914400" eaLnBrk="1" hangingPunct="1" latinLnBrk="0" marL="1828800" rtl="0">
-        <a:defRPr kern="1200" sz="1800">
+      <a:lvl5pPr marL="1828800" algn="l" defTabSz="914400" rtl="0" eaLnBrk="1" latinLnBrk="0" hangingPunct="1">
+        <a:defRPr sz="1800" kern="1200">
           <a:solidFill>
             <a:schemeClr val="tx1"/>
           </a:solidFill>
@@ -3297,8 +3303,8 @@
           <a:cs typeface="+mn-cs"/>
         </a:defRPr>
       </a:lvl5pPr>
-      <a:lvl6pPr algn="l" defTabSz="914400" eaLnBrk="1" hangingPunct="1" latinLnBrk="0" marL="2286000" rtl="0">
-        <a:defRPr kern="1200" sz="1800">
+      <a:lvl6pPr marL="2286000" algn="l" defTabSz="914400" rtl="0" eaLnBrk="1" latinLnBrk="0" hangingPunct="1">
+        <a:defRPr sz="1800" kern="1200">
           <a:solidFill>
             <a:schemeClr val="tx1"/>
           </a:solidFill>
@@ -3307,8 +3313,8 @@
           <a:cs typeface="+mn-cs"/>
         </a:defRPr>
       </a:lvl6pPr>
-      <a:lvl7pPr algn="l" defTabSz="914400" eaLnBrk="1" hangingPunct="1" latinLnBrk="0" marL="2743200" rtl="0">
-        <a:defRPr kern="1200" sz="1800">
+      <a:lvl7pPr marL="2743200" algn="l" defTabSz="914400" rtl="0" eaLnBrk="1" latinLnBrk="0" hangingPunct="1">
+        <a:defRPr sz="1800" kern="1200">
           <a:solidFill>
             <a:schemeClr val="tx1"/>
           </a:solidFill>
@@ -3317,8 +3323,8 @@
           <a:cs typeface="+mn-cs"/>
         </a:defRPr>
       </a:lvl7pPr>
-      <a:lvl8pPr algn="l" defTabSz="914400" eaLnBrk="1" hangingPunct="1" latinLnBrk="0" marL="3200400" rtl="0">
-        <a:defRPr kern="1200" sz="1800">
+      <a:lvl8pPr marL="3200400" algn="l" defTabSz="914400" rtl="0" eaLnBrk="1" latinLnBrk="0" hangingPunct="1">
+        <a:defRPr sz="1800" kern="1200">
           <a:solidFill>
             <a:schemeClr val="tx1"/>
           </a:solidFill>
@@ -3327,8 +3333,8 @@
           <a:cs typeface="+mn-cs"/>
         </a:defRPr>
       </a:lvl8pPr>
-      <a:lvl9pPr algn="l" defTabSz="914400" eaLnBrk="1" hangingPunct="1" latinLnBrk="0" marL="3657600" rtl="0">
-        <a:defRPr kern="1200" sz="1800">
+      <a:lvl9pPr marL="3657600" algn="l" defTabSz="914400" rtl="0" eaLnBrk="1" latinLnBrk="0" hangingPunct="1">
+        <a:defRPr sz="1800" kern="1200">
           <a:solidFill>
             <a:schemeClr val="tx1"/>
           </a:solidFill>
@@ -3385,18 +3391,149 @@
           <a:bodyPr/>
           <a:lstStyle/>
           <a:p>
-            <a:pPr lvl="0" indent="0" marL="0">
+            <a:pPr marL="0" lvl="0" indent="0">
               <a:buNone/>
             </a:pPr>
             <a:r>
-              <a:rPr/>
               <a:t>R Language</a:t>
             </a:r>
           </a:p>
         </p:txBody>
       </p:sp>
+      <p:pic>
+        <p:nvPicPr>
+          <p:cNvPr id="3" name="Picture 4" descr="Data Science Toolkit">
+            <a:extLst>
+              <a:ext uri="{FF2B5EF4-FFF2-40B4-BE49-F238E27FC236}">
+                <a16:creationId xmlns:a16="http://schemas.microsoft.com/office/drawing/2014/main" id="{6F8D1F0E-5FBF-AB6D-7B4C-6560F83F5824}"/>
+              </a:ext>
+            </a:extLst>
+          </p:cNvPr>
+          <p:cNvPicPr>
+            <a:picLocks noChangeAspect="1" noChangeArrowheads="1"/>
+          </p:cNvPicPr>
+          <p:nvPr/>
+        </p:nvPicPr>
+        <p:blipFill>
+          <a:blip r:embed="rId2">
+            <a:extLst>
+              <a:ext uri="{28A0092B-C50C-407E-A947-70E740481C1C}">
+                <a14:useLocalDpi xmlns:a14="http://schemas.microsoft.com/office/drawing/2010/main" val="0"/>
+              </a:ext>
+            </a:extLst>
+          </a:blip>
+          <a:srcRect/>
+          <a:stretch>
+            <a:fillRect/>
+          </a:stretch>
+        </p:blipFill>
+        <p:spPr bwMode="auto">
+          <a:xfrm>
+            <a:off x="513846" y="89738"/>
+            <a:ext cx="2797816" cy="3240000"/>
+          </a:xfrm>
+          <a:prstGeom prst="rect">
+            <a:avLst/>
+          </a:prstGeom>
+          <a:noFill/>
+          <a:extLst>
+            <a:ext uri="{909E8E84-426E-40DD-AFC4-6F175D3DCCD1}">
+              <a14:hiddenFill xmlns:a14="http://schemas.microsoft.com/office/drawing/2010/main">
+                <a:solidFill>
+                  <a:srgbClr val="FFFFFF"/>
+                </a:solidFill>
+              </a14:hiddenFill>
+            </a:ext>
+          </a:extLst>
+        </p:spPr>
+      </p:pic>
+      <p:sp>
+        <p:nvSpPr>
+          <p:cNvPr id="4" name="TextBox 3">
+            <a:extLst>
+              <a:ext uri="{FF2B5EF4-FFF2-40B4-BE49-F238E27FC236}">
+                <a16:creationId xmlns:a16="http://schemas.microsoft.com/office/drawing/2014/main" id="{0CE9B647-7BD8-8F56-8D28-FD1192DB79C1}"/>
+              </a:ext>
+            </a:extLst>
+          </p:cNvPr>
+          <p:cNvSpPr txBox="1"/>
+          <p:nvPr/>
+        </p:nvSpPr>
+        <p:spPr>
+          <a:xfrm>
+            <a:off x="3311662" y="832032"/>
+            <a:ext cx="4473432" cy="461665"/>
+          </a:xfrm>
+          <a:prstGeom prst="rect">
+            <a:avLst/>
+          </a:prstGeom>
+          <a:noFill/>
+        </p:spPr>
+        <p:txBody>
+          <a:bodyPr wrap="square">
+            <a:spAutoFit/>
+          </a:bodyPr>
+          <a:lstStyle/>
+          <a:p>
+            <a:r>
+              <a:rPr lang="en-GB" sz="2400" b="1" dirty="0"/>
+              <a:t>https://RStatsBootcamp.com/</a:t>
+            </a:r>
+          </a:p>
+        </p:txBody>
+      </p:sp>
+      <p:pic>
+        <p:nvPicPr>
+          <p:cNvPr id="1026" name="Picture 2">
+            <a:extLst>
+              <a:ext uri="{FF2B5EF4-FFF2-40B4-BE49-F238E27FC236}">
+                <a16:creationId xmlns:a16="http://schemas.microsoft.com/office/drawing/2014/main" id="{7C236037-07E6-6ED6-6003-CA1F7ACC6DE0}"/>
+              </a:ext>
+            </a:extLst>
+          </p:cNvPr>
+          <p:cNvPicPr>
+            <a:picLocks noChangeAspect="1" noChangeArrowheads="1"/>
+          </p:cNvPicPr>
+          <p:nvPr/>
+        </p:nvPicPr>
+        <p:blipFill>
+          <a:blip r:embed="rId3">
+            <a:extLst>
+              <a:ext uri="{28A0092B-C50C-407E-A947-70E740481C1C}">
+                <a14:useLocalDpi xmlns:a14="http://schemas.microsoft.com/office/drawing/2010/main" val="0"/>
+              </a:ext>
+            </a:extLst>
+          </a:blip>
+          <a:srcRect/>
+          <a:stretch>
+            <a:fillRect/>
+          </a:stretch>
+        </p:blipFill>
+        <p:spPr bwMode="auto">
+          <a:xfrm>
+            <a:off x="8298732" y="832032"/>
+            <a:ext cx="3485300" cy="2328019"/>
+          </a:xfrm>
+          <a:prstGeom prst="rect">
+            <a:avLst/>
+          </a:prstGeom>
+          <a:noFill/>
+          <a:extLst>
+            <a:ext uri="{909E8E84-426E-40DD-AFC4-6F175D3DCCD1}">
+              <a14:hiddenFill xmlns:a14="http://schemas.microsoft.com/office/drawing/2010/main">
+                <a:solidFill>
+                  <a:srgbClr val="FFFFFF"/>
+                </a:solidFill>
+              </a14:hiddenFill>
+            </a:ext>
+          </a:extLst>
+        </p:spPr>
+      </p:pic>
     </p:spTree>
   </p:cSld>
+  <p:clrMapOvr>
+    <a:masterClrMapping/>
+  </p:clrMapOvr>
 </p:sld>
 </file>
 
@@ -3438,12 +3575,11 @@
           <a:bodyPr/>
           <a:lstStyle/>
           <a:p>
-            <a:pPr lvl="0" indent="0" marL="0">
+            <a:pPr marL="0" lvl="0" indent="0">
               <a:buNone/>
             </a:pPr>
             <a:r>
-              <a:rPr/>
-              <a:t>Script Section Requirements</a:t>
+              <a:t>Base R versus Tidyverse</a:t>
             </a:r>
           </a:p>
         </p:txBody>
@@ -3471,35 +3607,34 @@
           <a:p>
             <a:pPr lvl="0"/>
             <a:r>
-              <a:rPr/>
-              <a:t>Header: Contains name, date, and purpose</a:t>
+              <a:t>Base R: Traditional, powerful form of R language</a:t>
             </a:r>
           </a:p>
           <a:p>
             <a:pPr lvl="0"/>
             <a:r>
-              <a:rPr/>
-              <a:t>Contents: Roadmap listing all major sections</a:t>
+              <a:t>Tidyverse: Alternative approach with different conventions</a:t>
             </a:r>
           </a:p>
           <a:p>
             <a:pPr lvl="0"/>
             <a:r>
-              <a:rPr/>
-              <a:t>Both sections essential for every R script</a:t>
+              <a:t>Both have benefits and philosophical differences</a:t>
             </a:r>
           </a:p>
           <a:p>
             <a:pPr lvl="0"/>
             <a:r>
-              <a:rPr/>
-              <a:t>Foundation for reproducible research practices</a:t>
+              <a:t>Bootcamp focuses exclusively on base R first</a:t>
             </a:r>
           </a:p>
         </p:txBody>
       </p:sp>
     </p:spTree>
   </p:cSld>
+  <p:clrMapOvr>
+    <a:masterClrMapping/>
+  </p:clrMapOvr>
 </p:sld>
 </file>
 
@@ -3541,12 +3676,11 @@
           <a:bodyPr/>
           <a:lstStyle/>
           <a:p>
-            <a:pPr lvl="0" indent="0" marL="0">
+            <a:pPr marL="0" lvl="0" indent="0">
               <a:buNone/>
             </a:pPr>
             <a:r>
-              <a:rPr/>
-              <a:t>Practice Exercises</a:t>
+              <a:t>Script Section Requirements</a:t>
             </a:r>
           </a:p>
         </p:txBody>
@@ -3574,35 +3708,125 @@
           <a:p>
             <a:pPr lvl="0"/>
             <a:r>
-              <a:rPr/>
-              <a:t>Working with Boolean expressions and operators</a:t>
+              <a:t>Header: Contains name, date, and purpose</a:t>
             </a:r>
           </a:p>
           <a:p>
             <a:pPr lvl="0"/>
             <a:r>
-              <a:rPr/>
-              <a:t>Understanding help system navigation</a:t>
+              <a:t>Contents: Roadmap listing all major sections</a:t>
             </a:r>
           </a:p>
           <a:p>
             <a:pPr lvl="0"/>
             <a:r>
-              <a:rPr/>
-              <a:t>Writing expressions with proper spacing</a:t>
+              <a:t>Both sections essential for every R script</a:t>
             </a:r>
           </a:p>
           <a:p>
             <a:pPr lvl="0"/>
             <a:r>
-              <a:rPr/>
-              <a:t>Creating and documenting script sections</a:t>
+              <a:t>Foundation for reproducible research practices</a:t>
             </a:r>
           </a:p>
         </p:txBody>
       </p:sp>
     </p:spTree>
   </p:cSld>
+  <p:clrMapOvr>
+    <a:masterClrMapping/>
+  </p:clrMapOvr>
+</p:sld>
+</file>
+
+<file path=ppt/slides/slide12.xml><?xml version="1.0" encoding="utf-8"?>
+<p:sld xmlns:a="http://schemas.openxmlformats.org/drawingml/2006/main" xmlns:r="http://schemas.openxmlformats.org/officeDocument/2006/relationships" xmlns:p="http://schemas.openxmlformats.org/presentationml/2006/main">
+  <p:cSld>
+    <p:spTree>
+      <p:nvGrpSpPr>
+        <p:cNvPr id="1" name=""/>
+        <p:cNvGrpSpPr/>
+        <p:nvPr/>
+      </p:nvGrpSpPr>
+      <p:grpSpPr>
+        <a:xfrm>
+          <a:off x="0" y="0"/>
+          <a:ext cx="0" cy="0"/>
+          <a:chOff x="0" y="0"/>
+          <a:chExt cx="0" cy="0"/>
+        </a:xfrm>
+      </p:grpSpPr>
+      <p:sp>
+        <p:nvSpPr>
+          <p:cNvPr id="2" name="Title 1">
+            <a:extLst>
+              <a:ext uri="{FF2B5EF4-FFF2-40B4-BE49-F238E27FC236}">
+                <a16:creationId xmlns:a16="http://schemas.microsoft.com/office/drawing/2014/main" id="{8525C2D7-E417-70EE-D336-6C2729628304}"/>
+              </a:ext>
+            </a:extLst>
+          </p:cNvPr>
+          <p:cNvSpPr>
+            <a:spLocks noGrp="1"/>
+          </p:cNvSpPr>
+          <p:nvPr>
+            <p:ph type="title"/>
+          </p:nvPr>
+        </p:nvSpPr>
+        <p:spPr/>
+        <p:txBody>
+          <a:bodyPr/>
+          <a:lstStyle/>
+          <a:p>
+            <a:pPr marL="0" lvl="0" indent="0">
+              <a:buNone/>
+            </a:pPr>
+            <a:r>
+              <a:t>Practice Exercises</a:t>
+            </a:r>
+          </a:p>
+        </p:txBody>
+      </p:sp>
+      <p:pic>
+        <p:nvPicPr>
+          <p:cNvPr id="6" name="Picture 5" descr="A cat sitting on a computer&#10;&#10;AI-generated content may be incorrect.">
+            <a:extLst>
+              <a:ext uri="{FF2B5EF4-FFF2-40B4-BE49-F238E27FC236}">
+                <a16:creationId xmlns:a16="http://schemas.microsoft.com/office/drawing/2014/main" id="{D2E0F507-A649-BEC3-934D-D62F9A7982A2}"/>
+              </a:ext>
+            </a:extLst>
+          </p:cNvPr>
+          <p:cNvPicPr>
+            <a:picLocks noChangeAspect="1"/>
+          </p:cNvPicPr>
+          <p:nvPr/>
+        </p:nvPicPr>
+        <p:blipFill>
+          <a:blip r:embed="rId2">
+            <a:extLst>
+              <a:ext uri="{28A0092B-C50C-407E-A947-70E740481C1C}">
+                <a14:useLocalDpi xmlns:a14="http://schemas.microsoft.com/office/drawing/2010/main" val="0"/>
+              </a:ext>
+            </a:extLst>
+          </a:blip>
+          <a:stretch>
+            <a:fillRect/>
+          </a:stretch>
+        </p:blipFill>
+        <p:spPr>
+          <a:xfrm>
+            <a:off x="2154453" y="1417320"/>
+            <a:ext cx="7883093" cy="5255395"/>
+          </a:xfrm>
+          <a:prstGeom prst="rect">
+            <a:avLst/>
+          </a:prstGeom>
+        </p:spPr>
+      </p:pic>
+    </p:spTree>
+  </p:cSld>
+  <p:clrMapOvr>
+    <a:masterClrMapping/>
+  </p:clrMapOvr>
 </p:sld>
 </file>
 
@@ -3644,11 +3868,10 @@
           <a:bodyPr/>
           <a:lstStyle/>
           <a:p>
-            <a:pPr lvl="0" indent="0" marL="0">
+            <a:pPr marL="0" lvl="0" indent="0">
               <a:buNone/>
             </a:pPr>
             <a:r>
-              <a:rPr/>
               <a:t>Learning Objectives</a:t>
             </a:r>
           </a:p>
@@ -3677,28 +3900,24 @@
           <a:p>
             <a:pPr lvl="0"/>
             <a:r>
-              <a:rPr/>
               <a:t>Navigate example scripts, comments, help, and pseudocode</a:t>
             </a:r>
           </a:p>
           <a:p>
             <a:pPr lvl="0"/>
             <a:r>
-              <a:rPr/>
               <a:t>Use math operators effectively in R</a:t>
             </a:r>
           </a:p>
           <a:p>
             <a:pPr lvl="0"/>
             <a:r>
-              <a:rPr/>
               <a:t>Apply logical Boolean operators for data manipulation</a:t>
             </a:r>
           </a:p>
           <a:p>
             <a:pPr lvl="0"/>
             <a:r>
-              <a:rPr/>
               <a:t>Distinguish between base R and Tidyverse approaches</a:t>
             </a:r>
           </a:p>
@@ -3706,6 +3925,9 @@
       </p:sp>
     </p:spTree>
   </p:cSld>
+  <p:clrMapOvr>
+    <a:masterClrMapping/>
+  </p:clrMapOvr>
 </p:sld>
 </file>
 
@@ -3747,11 +3969,10 @@
           <a:bodyPr/>
           <a:lstStyle/>
           <a:p>
-            <a:pPr lvl="0" indent="0" marL="0">
+            <a:pPr marL="0" lvl="0" indent="0">
               <a:buNone/>
             </a:pPr>
             <a:r>
-              <a:rPr/>
               <a:t>R as a Passive-Aggressive Butler</a:t>
             </a:r>
           </a:p>
@@ -3780,35 +4001,85 @@
           <a:p>
             <a:pPr lvl="0"/>
             <a:r>
-              <a:rPr/>
+              <a:rPr dirty="0"/>
               <a:t>R is popular statistical programming language and open source software</a:t>
             </a:r>
           </a:p>
           <a:p>
             <a:pPr lvl="0"/>
             <a:r>
-              <a:rPr/>
+              <a:rPr dirty="0"/>
               <a:t>Designed to help non-programmers perform statistical analyses</a:t>
             </a:r>
           </a:p>
           <a:p>
             <a:pPr lvl="0"/>
             <a:r>
-              <a:rPr/>
+              <a:rPr dirty="0"/>
               <a:t>Sometimes requires careful language to avoid unexpected outcomes</a:t>
             </a:r>
           </a:p>
           <a:p>
             <a:pPr lvl="0"/>
             <a:r>
-              <a:rPr/>
+              <a:rPr dirty="0"/>
               <a:t>Essential to view scripts as documentation of work</a:t>
             </a:r>
           </a:p>
         </p:txBody>
       </p:sp>
+      <p:pic>
+        <p:nvPicPr>
+          <p:cNvPr id="4" name="Picture 2">
+            <a:extLst>
+              <a:ext uri="{FF2B5EF4-FFF2-40B4-BE49-F238E27FC236}">
+                <a16:creationId xmlns:a16="http://schemas.microsoft.com/office/drawing/2014/main" id="{990874FF-1E04-4746-5698-7F4573C2ADD3}"/>
+              </a:ext>
+            </a:extLst>
+          </p:cNvPr>
+          <p:cNvPicPr>
+            <a:picLocks noChangeAspect="1" noChangeArrowheads="1"/>
+          </p:cNvPicPr>
+          <p:nvPr/>
+        </p:nvPicPr>
+        <p:blipFill>
+          <a:blip r:embed="rId2">
+            <a:extLst>
+              <a:ext uri="{28A0092B-C50C-407E-A947-70E740481C1C}">
+                <a14:useLocalDpi xmlns:a14="http://schemas.microsoft.com/office/drawing/2010/main" val="0"/>
+              </a:ext>
+            </a:extLst>
+          </a:blip>
+          <a:srcRect/>
+          <a:stretch>
+            <a:fillRect/>
+          </a:stretch>
+        </p:blipFill>
+        <p:spPr bwMode="auto">
+          <a:xfrm>
+            <a:off x="9962147" y="230188"/>
+            <a:ext cx="1995139" cy="1332660"/>
+          </a:xfrm>
+          <a:prstGeom prst="rect">
+            <a:avLst/>
+          </a:prstGeom>
+          <a:noFill/>
+          <a:extLst>
+            <a:ext uri="{909E8E84-426E-40DD-AFC4-6F175D3DCCD1}">
+              <a14:hiddenFill xmlns:a14="http://schemas.microsoft.com/office/drawing/2010/main">
+                <a:solidFill>
+                  <a:srgbClr val="FFFFFF"/>
+                </a:solidFill>
+              </a14:hiddenFill>
+            </a:ext>
+          </a:extLst>
+        </p:spPr>
+      </p:pic>
     </p:spTree>
   </p:cSld>
+  <p:clrMapOvr>
+    <a:masterClrMapping/>
+  </p:clrMapOvr>
 </p:sld>
 </file>
 
@@ -3850,11 +4121,10 @@
           <a:bodyPr/>
           <a:lstStyle/>
           <a:p>
-            <a:pPr lvl="0" indent="0" marL="0">
+            <a:pPr marL="0" lvl="0" indent="0">
               <a:buNone/>
             </a:pPr>
             <a:r>
-              <a:rPr/>
               <a:t>Script Organization Importance</a:t>
             </a:r>
           </a:p>
@@ -3883,28 +4153,24 @@
           <a:p>
             <a:pPr lvl="0"/>
             <a:r>
-              <a:rPr/>
               <a:t>Write scripts as documentation for respected colleagues</a:t>
             </a:r>
           </a:p>
           <a:p>
             <a:pPr lvl="0"/>
             <a:r>
-              <a:rPr/>
               <a:t>Work through instructions using R and RStudio actively</a:t>
             </a:r>
           </a:p>
           <a:p>
             <a:pPr lvl="0"/>
             <a:r>
-              <a:rPr/>
               <a:t>Type your own code rather than copy-pasting</a:t>
             </a:r>
           </a:p>
           <a:p>
             <a:pPr lvl="0"/>
             <a:r>
-              <a:rPr/>
               <a:t>Document all code with clear, concise comments</a:t>
             </a:r>
           </a:p>
@@ -3912,6 +4178,9 @@
       </p:sp>
     </p:spTree>
   </p:cSld>
+  <p:clrMapOvr>
+    <a:masterClrMapping/>
+  </p:clrMapOvr>
 </p:sld>
 </file>
 
@@ -3953,11 +4222,10 @@
           <a:bodyPr/>
           <a:lstStyle/>
           <a:p>
-            <a:pPr lvl="0" indent="0" marL="0">
+            <a:pPr marL="0" lvl="0" indent="0">
               <a:buNone/>
             </a:pPr>
             <a:r>
-              <a:rPr/>
               <a:t>Help System in R</a:t>
             </a:r>
           </a:p>
@@ -3986,28 +4254,28 @@
           <a:p>
             <a:pPr lvl="0"/>
             <a:r>
-              <a:rPr/>
+              <a:rPr dirty="0"/>
               <a:t>Use help() function with tool name in brackets</a:t>
             </a:r>
           </a:p>
           <a:p>
             <a:pPr lvl="0"/>
             <a:r>
-              <a:rPr/>
+              <a:rPr dirty="0"/>
               <a:t>Help pages organized consistently across all functions</a:t>
             </a:r>
           </a:p>
           <a:p>
             <a:pPr lvl="0"/>
             <a:r>
-              <a:rPr/>
+              <a:rPr dirty="0"/>
               <a:t>Function name, description, usage, and argument definitions</a:t>
             </a:r>
           </a:p>
           <a:p>
             <a:pPr lvl="0"/>
             <a:r>
-              <a:rPr/>
+              <a:rPr dirty="0"/>
               <a:t>Essential to understand for effective R use</a:t>
             </a:r>
           </a:p>
@@ -4015,6 +4283,9 @@
       </p:sp>
     </p:spTree>
   </p:cSld>
+  <p:clrMapOvr>
+    <a:masterClrMapping/>
+  </p:clrMapOvr>
 </p:sld>
 </file>
 
@@ -4035,89 +4306,63 @@
           <a:chExt cx="0" cy="0"/>
         </a:xfrm>
       </p:grpSpPr>
-      <p:sp>
-        <p:nvSpPr>
-          <p:cNvPr id="2" name="Title 1">
-            <a:extLst>
-              <a:ext uri="{FF2B5EF4-FFF2-40B4-BE49-F238E27FC236}">
-                <a16:creationId xmlns:a16="http://schemas.microsoft.com/office/drawing/2014/main" id="{8525C2D7-E417-70EE-D336-6C2729628304}"/>
-              </a:ext>
-            </a:extLst>
-          </p:cNvPr>
-          <p:cNvSpPr>
-            <a:spLocks noGrp="1"/>
-          </p:cNvSpPr>
-          <p:nvPr>
-            <p:ph type="title"/>
-          </p:nvPr>
-        </p:nvSpPr>
-        <p:spPr/>
-        <p:txBody>
-          <a:bodyPr/>
-          <a:lstStyle/>
-          <a:p>
-            <a:pPr lvl="0" indent="0" marL="0">
-              <a:buNone/>
-            </a:pPr>
-            <a:r>
-              <a:rPr/>
-              <a:t>Math Operators</a:t>
-            </a:r>
-          </a:p>
-        </p:txBody>
-      </p:sp>
-      <p:sp>
-        <p:nvSpPr>
-          <p:cNvPr id="3" name="Content Placeholder 2">
-            <a:extLst>
-              <a:ext uri="{FF2B5EF4-FFF2-40B4-BE49-F238E27FC236}">
-                <a16:creationId xmlns:a16="http://schemas.microsoft.com/office/drawing/2014/main" id="{51C3FE42-1672-993E-68F1-5E07C2E42057}"/>
-              </a:ext>
-            </a:extLst>
-          </p:cNvPr>
-          <p:cNvSpPr>
-            <a:spLocks noGrp="1"/>
-          </p:cNvSpPr>
-          <p:nvPr>
-            <p:ph idx="1"/>
-          </p:nvPr>
-        </p:nvSpPr>
-        <p:spPr/>
-        <p:txBody>
-          <a:bodyPr/>
-          <a:lstStyle/>
-          <a:p>
-            <a:pPr lvl="0"/>
-            <a:r>
-              <a:rPr/>
-              <a:t>Basic arithmetic: +, -, *, /, ^ (power)</a:t>
-            </a:r>
-          </a:p>
-          <a:p>
-            <a:pPr lvl="0"/>
-            <a:r>
-              <a:rPr/>
-              <a:t>Order of operations follows standard mathematical rules</a:t>
-            </a:r>
-          </a:p>
-          <a:p>
-            <a:pPr lvl="0"/>
-            <a:r>
-              <a:rPr/>
-              <a:t>Use parentheses to control calculation order</a:t>
-            </a:r>
-          </a:p>
-          <a:p>
-            <a:pPr lvl="0"/>
-            <a:r>
-              <a:rPr/>
-              <a:t>Spacing improves readability (use single spaces)</a:t>
-            </a:r>
-          </a:p>
-        </p:txBody>
-      </p:sp>
+      <p:pic>
+        <p:nvPicPr>
+          <p:cNvPr id="2050" name="Picture 2">
+            <a:extLst>
+              <a:ext uri="{FF2B5EF4-FFF2-40B4-BE49-F238E27FC236}">
+                <a16:creationId xmlns:a16="http://schemas.microsoft.com/office/drawing/2014/main" id="{CD58C443-3C94-4E5A-C0C6-A9021ED4690B}"/>
+              </a:ext>
+            </a:extLst>
+          </p:cNvPr>
+          <p:cNvPicPr>
+            <a:picLocks noChangeAspect="1" noChangeArrowheads="1"/>
+          </p:cNvPicPr>
+          <p:nvPr/>
+        </p:nvPicPr>
+        <p:blipFill>
+          <a:blip r:embed="rId2">
+            <a:extLst>
+              <a:ext uri="{28A0092B-C50C-407E-A947-70E740481C1C}">
+                <a14:useLocalDpi xmlns:a14="http://schemas.microsoft.com/office/drawing/2010/main" val="0"/>
+              </a:ext>
+            </a:extLst>
+          </a:blip>
+          <a:srcRect/>
+          <a:stretch>
+            <a:fillRect/>
+          </a:stretch>
+        </p:blipFill>
+        <p:spPr bwMode="auto">
+          <a:xfrm>
+            <a:off x="1457325" y="0"/>
+            <a:ext cx="9275763" cy="6858000"/>
+          </a:xfrm>
+          <a:prstGeom prst="rect">
+            <a:avLst/>
+          </a:prstGeom>
+          <a:noFill/>
+          <a:extLst>
+            <a:ext uri="{909E8E84-426E-40DD-AFC4-6F175D3DCCD1}">
+              <a14:hiddenFill xmlns:a14="http://schemas.microsoft.com/office/drawing/2010/main">
+                <a:solidFill>
+                  <a:srgbClr val="FFFFFF"/>
+                </a:solidFill>
+              </a14:hiddenFill>
+            </a:ext>
+          </a:extLst>
+        </p:spPr>
+      </p:pic>
     </p:spTree>
+    <p:extLst>
+      <p:ext uri="{BB962C8B-B14F-4D97-AF65-F5344CB8AC3E}">
+        <p14:creationId xmlns:p14="http://schemas.microsoft.com/office/powerpoint/2010/main" val="1813435589"/>
+      </p:ext>
+    </p:extLst>
   </p:cSld>
+  <p:clrMapOvr>
+    <a:masterClrMapping/>
+  </p:clrMapOvr>
 </p:sld>
 </file>
 
@@ -4159,12 +4404,11 @@
           <a:bodyPr/>
           <a:lstStyle/>
           <a:p>
-            <a:pPr lvl="0" indent="0" marL="0">
+            <a:pPr marL="0" lvl="0" indent="0">
               <a:buNone/>
             </a:pPr>
             <a:r>
-              <a:rPr/>
-              <a:t>Logical Boolean Operators</a:t>
+              <a:t>Math Operators</a:t>
             </a:r>
           </a:p>
         </p:txBody>
@@ -4185,42 +4429,80 @@
             <p:ph idx="1"/>
           </p:nvPr>
         </p:nvSpPr>
-        <p:spPr/>
+        <p:spPr>
+          <a:xfrm>
+            <a:off x="838200" y="1825625"/>
+            <a:ext cx="6717632" cy="4351338"/>
+          </a:xfrm>
+        </p:spPr>
         <p:txBody>
           <a:bodyPr/>
           <a:lstStyle/>
           <a:p>
             <a:pPr lvl="0"/>
             <a:r>
-              <a:rPr/>
-              <a:t>Boolean expressions resolve to TRUE or FALSE</a:t>
+              <a:rPr dirty="0"/>
+              <a:t>Basic arithmetic: +, -, *, /, ^ (power)</a:t>
             </a:r>
           </a:p>
           <a:p>
             <a:pPr lvl="0"/>
             <a:r>
-              <a:rPr/>
-              <a:t>Common operators: &gt;, &lt;, ==, !=, &amp;, |, !</a:t>
+              <a:rPr dirty="0"/>
+              <a:t>Order of operations follows standard mathematical rules</a:t>
             </a:r>
           </a:p>
           <a:p>
             <a:pPr lvl="0"/>
             <a:r>
-              <a:rPr/>
-              <a:t>Used for selecting groups of data effectively</a:t>
+              <a:rPr dirty="0"/>
+              <a:t>Use parentheses to control calculation order</a:t>
             </a:r>
           </a:p>
           <a:p>
             <a:pPr lvl="0"/>
             <a:r>
-              <a:rPr/>
-              <a:t>Powerful alternative to creating different datasets</a:t>
-            </a:r>
-          </a:p>
-        </p:txBody>
-      </p:sp>
+              <a:rPr dirty="0"/>
+              <a:t>Spacing improves readability (use single spaces)</a:t>
+            </a:r>
+          </a:p>
+        </p:txBody>
+      </p:sp>
+      <p:pic>
+        <p:nvPicPr>
+          <p:cNvPr id="5" name="Picture 4">
+            <a:extLst>
+              <a:ext uri="{FF2B5EF4-FFF2-40B4-BE49-F238E27FC236}">
+                <a16:creationId xmlns:a16="http://schemas.microsoft.com/office/drawing/2014/main" id="{D6AC0880-4509-5324-C715-8832FFB8A2F2}"/>
+              </a:ext>
+            </a:extLst>
+          </p:cNvPr>
+          <p:cNvPicPr>
+            <a:picLocks noChangeAspect="1"/>
+          </p:cNvPicPr>
+          <p:nvPr/>
+        </p:nvPicPr>
+        <p:blipFill>
+          <a:blip r:embed="rId2"/>
+          <a:stretch>
+            <a:fillRect/>
+          </a:stretch>
+        </p:blipFill>
+        <p:spPr>
+          <a:xfrm>
+            <a:off x="8350460" y="895580"/>
+            <a:ext cx="3247982" cy="5281383"/>
+          </a:xfrm>
+          <a:prstGeom prst="rect">
+            <a:avLst/>
+          </a:prstGeom>
+        </p:spPr>
+      </p:pic>
     </p:spTree>
   </p:cSld>
+  <p:clrMapOvr>
+    <a:masterClrMapping/>
+  </p:clrMapOvr>
 </p:sld>
 </file>
 
@@ -4262,12 +4544,11 @@
           <a:bodyPr/>
           <a:lstStyle/>
           <a:p>
-            <a:pPr lvl="0" indent="0" marL="0">
+            <a:pPr marL="0" lvl="0" indent="0">
               <a:buNone/>
             </a:pPr>
             <a:r>
-              <a:rPr/>
-              <a:t>Selecting with Booleans</a:t>
+              <a:t>Logical Boolean Operators</a:t>
             </a:r>
           </a:p>
         </p:txBody>
@@ -4295,35 +4576,64 @@
           <a:p>
             <a:pPr lvl="0"/>
             <a:r>
-              <a:rPr/>
-              <a:t>Use Boolean expressions to select data subsets</a:t>
+              <a:t>Boolean expressions resolve to TRUE or FALSE</a:t>
             </a:r>
           </a:p>
           <a:p>
             <a:pPr lvl="0"/>
             <a:r>
-              <a:rPr/>
-              <a:t>Square brackets act as index for data vectors</a:t>
+              <a:t>Common operators: &gt;, &lt;, ==, !=, &amp;, |, !</a:t>
             </a:r>
           </a:p>
           <a:p>
             <a:pPr lvl="0"/>
             <a:r>
-              <a:rPr/>
-              <a:t>Combine with logical operators for complex selections</a:t>
+              <a:t>Used for selecting groups of data effectively</a:t>
             </a:r>
           </a:p>
           <a:p>
             <a:pPr lvl="0"/>
             <a:r>
-              <a:rPr/>
-              <a:t>Essential skill for data manipulation</a:t>
-            </a:r>
-          </a:p>
-        </p:txBody>
-      </p:sp>
+              <a:t>Powerful alternative to creating different datasets</a:t>
+            </a:r>
+          </a:p>
+        </p:txBody>
+      </p:sp>
+      <p:pic>
+        <p:nvPicPr>
+          <p:cNvPr id="5" name="Picture 4">
+            <a:extLst>
+              <a:ext uri="{FF2B5EF4-FFF2-40B4-BE49-F238E27FC236}">
+                <a16:creationId xmlns:a16="http://schemas.microsoft.com/office/drawing/2014/main" id="{5EE3F980-42E7-9999-12B4-720A132CAE16}"/>
+              </a:ext>
+            </a:extLst>
+          </p:cNvPr>
+          <p:cNvPicPr>
+            <a:picLocks noChangeAspect="1"/>
+          </p:cNvPicPr>
+          <p:nvPr/>
+        </p:nvPicPr>
+        <p:blipFill>
+          <a:blip r:embed="rId2"/>
+          <a:stretch>
+            <a:fillRect/>
+          </a:stretch>
+        </p:blipFill>
+        <p:spPr>
+          <a:xfrm>
+            <a:off x="3830146" y="4001294"/>
+            <a:ext cx="4755588" cy="2393134"/>
+          </a:xfrm>
+          <a:prstGeom prst="rect">
+            <a:avLst/>
+          </a:prstGeom>
+        </p:spPr>
+      </p:pic>
     </p:spTree>
   </p:cSld>
+  <p:clrMapOvr>
+    <a:masterClrMapping/>
+  </p:clrMapOvr>
 </p:sld>
 </file>
 
@@ -4365,12 +4675,11 @@
           <a:bodyPr/>
           <a:lstStyle/>
           <a:p>
-            <a:pPr lvl="0" indent="0" marL="0">
+            <a:pPr marL="0" lvl="0" indent="0">
               <a:buNone/>
             </a:pPr>
             <a:r>
-              <a:rPr/>
-              <a:t>Base R versus Tidyverse</a:t>
+              <a:t>Selecting with Booleans</a:t>
             </a:r>
           </a:p>
         </p:txBody>
@@ -4398,35 +4707,64 @@
           <a:p>
             <a:pPr lvl="0"/>
             <a:r>
-              <a:rPr/>
-              <a:t>Base R: Traditional, powerful form of R language</a:t>
+              <a:t>Use Boolean expressions to select data subsets</a:t>
             </a:r>
           </a:p>
           <a:p>
             <a:pPr lvl="0"/>
             <a:r>
-              <a:rPr/>
-              <a:t>Tidyverse: Alternative approach with different conventions</a:t>
+              <a:t>Square brackets act as index for data vectors</a:t>
             </a:r>
           </a:p>
           <a:p>
             <a:pPr lvl="0"/>
             <a:r>
-              <a:rPr/>
-              <a:t>Both have benefits and philosophical differences</a:t>
+              <a:t>Combine with logical operators for complex selections</a:t>
             </a:r>
           </a:p>
           <a:p>
             <a:pPr lvl="0"/>
             <a:r>
-              <a:rPr/>
-              <a:t>Bootcamp focuses exclusively on base R first</a:t>
-            </a:r>
-          </a:p>
-        </p:txBody>
-      </p:sp>
+              <a:t>Essential skill for data manipulation</a:t>
+            </a:r>
+          </a:p>
+        </p:txBody>
+      </p:sp>
+      <p:pic>
+        <p:nvPicPr>
+          <p:cNvPr id="5" name="Picture 4">
+            <a:extLst>
+              <a:ext uri="{FF2B5EF4-FFF2-40B4-BE49-F238E27FC236}">
+                <a16:creationId xmlns:a16="http://schemas.microsoft.com/office/drawing/2014/main" id="{73CC9394-52DA-01A2-DBCD-A9BBFD9F9AF7}"/>
+              </a:ext>
+            </a:extLst>
+          </p:cNvPr>
+          <p:cNvPicPr>
+            <a:picLocks noChangeAspect="1"/>
+          </p:cNvPicPr>
+          <p:nvPr/>
+        </p:nvPicPr>
+        <p:blipFill>
+          <a:blip r:embed="rId2"/>
+          <a:stretch>
+            <a:fillRect/>
+          </a:stretch>
+        </p:blipFill>
+        <p:spPr>
+          <a:xfrm>
+            <a:off x="2268615" y="4001293"/>
+            <a:ext cx="7654770" cy="2592011"/>
+          </a:xfrm>
+          <a:prstGeom prst="rect">
+            <a:avLst/>
+          </a:prstGeom>
+        </p:spPr>
+      </p:pic>
     </p:spTree>
   </p:cSld>
+  <p:clrMapOvr>
+    <a:masterClrMapping/>
+  </p:clrMapOvr>
 </p:sld>
 </file>
 
@@ -4743,265 +5081,4 @@
     </a:ext>
   </a:extLst>
 </a:theme>
-</file>
-
-<file path=ppt/theme/theme2.xml><?xml version="1.0" encoding="utf-8"?>
-<a:theme xmlns:a="http://schemas.openxmlformats.org/drawingml/2006/main" name="Office Theme">
-  <a:themeElements>
-    <a:clrScheme name="Office">
-      <a:dk1>
-        <a:sysClr val="windowText" lastClr="000000"/>
-      </a:dk1>
-      <a:lt1>
-        <a:sysClr val="window" lastClr="FFFFFF"/>
-      </a:lt1>
-      <a:dk2>
-        <a:srgbClr val="44546A"/>
-      </a:dk2>
-      <a:lt2>
-        <a:srgbClr val="E7E6E6"/>
-      </a:lt2>
-      <a:accent1>
-        <a:srgbClr val="5B9BD5"/>
-      </a:accent1>
-      <a:accent2>
-        <a:srgbClr val="ED7D31"/>
-      </a:accent2>
-      <a:accent3>
-        <a:srgbClr val="A5A5A5"/>
-      </a:accent3>
-      <a:accent4>
-        <a:srgbClr val="FFC000"/>
-      </a:accent4>
-      <a:accent5>
-        <a:srgbClr val="4472C4"/>
-      </a:accent5>
-      <a:accent6>
-        <a:srgbClr val="70AD47"/>
-      </a:accent6>
-      <a:hlink>
-        <a:srgbClr val="0563C1"/>
-      </a:hlink>
-      <a:folHlink>
-        <a:srgbClr val="954F72"/>
-      </a:folHlink>
-    </a:clrScheme>
-    <a:fontScheme name="Office">
-      <a:majorFont>
-        <a:latin typeface="Calibri Light" panose="020F0302020204030204"/>
-        <a:ea typeface=""/>
-        <a:cs typeface=""/>
-        <a:font script="Jpan" typeface="ＭＳ Ｐゴシック"/>
-        <a:font script="Hang" typeface="맑은 고딕"/>
-        <a:font script="Hans" typeface="宋体"/>
-        <a:font script="Hant" typeface="新細明體"/>
-        <a:font script="Arab" typeface="Times New Roman"/>
-        <a:font script="Hebr" typeface="Times New Roman"/>
-        <a:font script="Thai" typeface="Angsana New"/>
-        <a:font script="Ethi" typeface="Nyala"/>
-        <a:font script="Beng" typeface="Vrinda"/>
-        <a:font script="Gujr" typeface="Shruti"/>
-        <a:font script="Khmr" typeface="MoolBoran"/>
-        <a:font script="Knda" typeface="Tunga"/>
-        <a:font script="Guru" typeface="Raavi"/>
-        <a:font script="Cans" typeface="Euphemia"/>
-        <a:font script="Cher" typeface="Plantagenet Cherokee"/>
-        <a:font script="Yiii" typeface="Microsoft Yi Baiti"/>
-        <a:font script="Tibt" typeface="Microsoft Himalaya"/>
-        <a:font script="Thaa" typeface="MV Boli"/>
-        <a:font script="Deva" typeface="Mangal"/>
-        <a:font script="Telu" typeface="Gautami"/>
-        <a:font script="Taml" typeface="Latha"/>
-        <a:font script="Syrc" typeface="Estrangelo Edessa"/>
-        <a:font script="Orya" typeface="Kalinga"/>
-        <a:font script="Mlym" typeface="Kartika"/>
-        <a:font script="Laoo" typeface="DokChampa"/>
-        <a:font script="Sinh" typeface="Iskoola Pota"/>
-        <a:font script="Mong" typeface="Mongolian Baiti"/>
-        <a:font script="Viet" typeface="Times New Roman"/>
-        <a:font script="Uigh" typeface="Microsoft Uighur"/>
-        <a:font script="Geor" typeface="Sylfaen"/>
-      </a:majorFont>
-      <a:minorFont>
-        <a:latin typeface="Calibri" panose="020F0502020204030204"/>
-        <a:ea typeface=""/>
-        <a:cs typeface=""/>
-        <a:font script="Jpan" typeface="ＭＳ Ｐゴシック"/>
-        <a:font script="Hang" typeface="맑은 고딕"/>
-        <a:font script="Hans" typeface="宋体"/>
-        <a:font script="Hant" typeface="新細明體"/>
-        <a:font script="Arab" typeface="Arial"/>
-        <a:font script="Hebr" typeface="Arial"/>
-        <a:font script="Thai" typeface="Cordia New"/>
-        <a:font script="Ethi" typeface="Nyala"/>
-        <a:font script="Beng" typeface="Vrinda"/>
-        <a:font script="Gujr" typeface="Shruti"/>
-        <a:font script="Khmr" typeface="DaunPenh"/>
-        <a:font script="Knda" typeface="Tunga"/>
-        <a:font script="Guru" typeface="Raavi"/>
-        <a:font script="Cans" typeface="Euphemia"/>
-        <a:font script="Cher" typeface="Plantagenet Cherokee"/>
-        <a:font script="Yiii" typeface="Microsoft Yi Baiti"/>
-        <a:font script="Tibt" typeface="Microsoft Himalaya"/>
-        <a:font script="Thaa" typeface="MV Boli"/>
-        <a:font script="Deva" typeface="Mangal"/>
-        <a:font script="Telu" typeface="Gautami"/>
-        <a:font script="Taml" typeface="Latha"/>
-        <a:font script="Syrc" typeface="Estrangelo Edessa"/>
-        <a:font script="Orya" typeface="Kalinga"/>
-        <a:font script="Mlym" typeface="Kartika"/>
-        <a:font script="Laoo" typeface="DokChampa"/>
-        <a:font script="Sinh" typeface="Iskoola Pota"/>
-        <a:font script="Mong" typeface="Mongolian Baiti"/>
-        <a:font script="Viet" typeface="Arial"/>
-        <a:font script="Uigh" typeface="Microsoft Uighur"/>
-        <a:font script="Geor" typeface="Sylfaen"/>
-      </a:minorFont>
-    </a:fontScheme>
-    <a:fmtScheme name="Office">
-      <a:fillStyleLst>
-        <a:solidFill>
-          <a:schemeClr val="phClr"/>
-        </a:solidFill>
-        <a:gradFill rotWithShape="1">
-          <a:gsLst>
-            <a:gs pos="0">
-              <a:schemeClr val="phClr">
-                <a:lumMod val="110000"/>
-                <a:satMod val="105000"/>
-                <a:tint val="67000"/>
-              </a:schemeClr>
-            </a:gs>
-            <a:gs pos="50000">
-              <a:schemeClr val="phClr">
-                <a:lumMod val="105000"/>
-                <a:satMod val="103000"/>
-                <a:tint val="73000"/>
-              </a:schemeClr>
-            </a:gs>
-            <a:gs pos="100000">
-              <a:schemeClr val="phClr">
-                <a:lumMod val="105000"/>
-                <a:satMod val="109000"/>
-                <a:tint val="81000"/>
-              </a:schemeClr>
-            </a:gs>
-          </a:gsLst>
-          <a:lin ang="5400000" scaled="0"/>
-        </a:gradFill>
-        <a:gradFill rotWithShape="1">
-          <a:gsLst>
-            <a:gs pos="0">
-              <a:schemeClr val="phClr">
-                <a:satMod val="103000"/>
-                <a:lumMod val="102000"/>
-                <a:tint val="94000"/>
-              </a:schemeClr>
-            </a:gs>
-            <a:gs pos="50000">
-              <a:schemeClr val="phClr">
-                <a:satMod val="110000"/>
-                <a:lumMod val="100000"/>
-                <a:shade val="100000"/>
-              </a:schemeClr>
-            </a:gs>
-            <a:gs pos="100000">
-              <a:schemeClr val="phClr">
-                <a:lumMod val="99000"/>
-                <a:satMod val="120000"/>
-                <a:shade val="78000"/>
-              </a:schemeClr>
-            </a:gs>
-          </a:gsLst>
-          <a:lin ang="5400000" scaled="0"/>
-        </a:gradFill>
-      </a:fillStyleLst>
-      <a:lnStyleLst>
-        <a:ln w="6350" cap="flat" cmpd="sng" algn="ctr">
-          <a:solidFill>
-            <a:schemeClr val="phClr"/>
-          </a:solidFill>
-          <a:prstDash val="solid"/>
-          <a:miter lim="800000"/>
-        </a:ln>
-        <a:ln w="12700" cap="flat" cmpd="sng" algn="ctr">
-          <a:solidFill>
-            <a:schemeClr val="phClr"/>
-          </a:solidFill>
-          <a:prstDash val="solid"/>
-          <a:miter lim="800000"/>
-        </a:ln>
-        <a:ln w="19050" cap="flat" cmpd="sng" algn="ctr">
-          <a:solidFill>
-            <a:schemeClr val="phClr"/>
-          </a:solidFill>
-          <a:prstDash val="solid"/>
-          <a:miter lim="800000"/>
-        </a:ln>
-      </a:lnStyleLst>
-      <a:effectStyleLst>
-        <a:effectStyle>
-          <a:effectLst/>
-        </a:effectStyle>
-        <a:effectStyle>
-          <a:effectLst/>
-        </a:effectStyle>
-        <a:effectStyle>
-          <a:effectLst>
-            <a:outerShdw blurRad="57150" dist="19050" dir="5400000" algn="ctr" rotWithShape="0">
-              <a:srgbClr val="000000">
-                <a:alpha val="63000"/>
-              </a:srgbClr>
-            </a:outerShdw>
-          </a:effectLst>
-        </a:effectStyle>
-      </a:effectStyleLst>
-      <a:bgFillStyleLst>
-        <a:solidFill>
-          <a:schemeClr val="phClr"/>
-        </a:solidFill>
-        <a:solidFill>
-          <a:schemeClr val="phClr">
-            <a:tint val="95000"/>
-            <a:satMod val="170000"/>
-          </a:schemeClr>
-        </a:solidFill>
-        <a:gradFill rotWithShape="1">
-          <a:gsLst>
-            <a:gs pos="0">
-              <a:schemeClr val="phClr">
-                <a:tint val="93000"/>
-                <a:satMod val="150000"/>
-                <a:shade val="98000"/>
-                <a:lumMod val="102000"/>
-              </a:schemeClr>
-            </a:gs>
-            <a:gs pos="50000">
-              <a:schemeClr val="phClr">
-                <a:tint val="98000"/>
-                <a:satMod val="130000"/>
-                <a:shade val="90000"/>
-                <a:lumMod val="103000"/>
-              </a:schemeClr>
-            </a:gs>
-            <a:gs pos="100000">
-              <a:schemeClr val="phClr">
-                <a:shade val="63000"/>
-                <a:satMod val="120000"/>
-              </a:schemeClr>
-            </a:gs>
-          </a:gsLst>
-          <a:lin ang="5400000" scaled="0"/>
-        </a:gradFill>
-      </a:bgFillStyleLst>
-    </a:fmtScheme>
-  </a:themeElements>
-  <a:objectDefaults/>
-  <a:extraClrSchemeLst/>
-  <a:extLst>
-    <a:ext uri="{05A4C25C-085E-4340-85A3-A5531E510DB2}">
-      <thm15:themeFamily xmlns:thm15="http://schemas.microsoft.com/office/thememl/2012/main" name="Office Theme" id="{62F939B6-93AF-4DB8-9C6B-D6C7DFDC589F}" vid="{4A3C46E8-61CC-4603-A589-7422A47A8E4A}"/>
-    </a:ext>
-  </a:extLst>
-</a:theme>
 </file>